--- a/ConnorDobbs_AttritionAnalysis.pptx
+++ b/ConnorDobbs_AttritionAnalysis.pptx
@@ -5403,7 +5403,7 @@
               <a:rPr lang="en-US" dirty="0">
                 <a:hlinkClick r:id="rId3"/>
               </a:rPr>
-              <a:t>https://github.com/connordobbs/DDSProjectOne</a:t>
+              <a:t>https://github.com/connordobbs/CaseStudy2DDS</a:t>
             </a:r>
             <a:endParaRPr lang="en-US" dirty="0"/>
           </a:p>
@@ -5416,11 +5416,15 @@
           <a:p>
             <a:pPr lvl="1"/>
             <a:r>
-              <a:rPr lang="en-US" dirty="0">
+              <a:rPr lang="en-US">
                 <a:hlinkClick r:id="rId4"/>
               </a:rPr>
-              <a:t>https://youtu.be/Cs-uz1w8EGo</a:t>
-            </a:r>
+              <a:t>https://youtu.be/1VtWZ5UeXA4</a:t>
+            </a:r>
+            <a:endParaRPr lang="en-US"/>
+          </a:p>
+          <a:p>
+            <a:pPr lvl="1"/>
             <a:endParaRPr lang="en-US" dirty="0"/>
           </a:p>
         </p:txBody>
@@ -5636,6 +5640,9 @@
               </a:rPr>
               <a:t>https://www.edureka.co/blog/k-nearest-neighbors-algorithm/</a:t>
             </a:r>
+            <a:endParaRPr lang="en-US" dirty="0"/>
+          </a:p>
+          <a:p>
             <a:endParaRPr lang="en-US" dirty="0"/>
           </a:p>
           <a:p>
@@ -7248,6 +7255,16 @@
               <a:t>Average monthly income for those who leave the company ~$2000 less than those who have stayed</a:t>
             </a:r>
           </a:p>
+          <a:p>
+            <a:pPr>
+              <a:buFont typeface="Wingdings" panose="05000000000000000000" pitchFamily="2" charset="2"/>
+              <a:buChar char="Ø"/>
+            </a:pPr>
+            <a:r>
+              <a:rPr lang="en-US" dirty="0"/>
+              <a:t>Statistically significant difference (p-value &lt; .0001 for 95% CI t-test)</a:t>
+            </a:r>
+          </a:p>
         </p:txBody>
       </p:sp>
       <p:sp>
@@ -7330,7 +7347,7 @@
         </p:blipFill>
         <p:spPr>
           <a:xfrm>
-            <a:off x="418409" y="5325878"/>
+            <a:off x="307478" y="5634912"/>
             <a:ext cx="5477372" cy="605021"/>
           </a:xfrm>
           <a:prstGeom prst="rect">
